--- a/Powerpoint/3.SOLID_L.pptx
+++ b/Powerpoint/3.SOLID_L.pptx
@@ -5,14 +5,15 @@
     <p:sldMasterId id="2147483762" r:id="rId1"/>
   </p:sldMasterIdLst>
   <p:notesMasterIdLst>
-    <p:notesMasterId r:id="rId4"/>
+    <p:notesMasterId r:id="rId5"/>
   </p:notesMasterIdLst>
   <p:handoutMasterIdLst>
-    <p:handoutMasterId r:id="rId5"/>
+    <p:handoutMasterId r:id="rId6"/>
   </p:handoutMasterIdLst>
   <p:sldIdLst>
     <p:sldId id="269" r:id="rId2"/>
     <p:sldId id="259" r:id="rId3"/>
+    <p:sldId id="270" r:id="rId4"/>
   </p:sldIdLst>
   <p:sldSz cx="12192000" cy="6858000"/>
   <p:notesSz cx="6858000" cy="9144000"/>
@@ -227,7 +228,7 @@
           <a:p>
             <a:fld id="{CDDF240B-3CA8-4045-B7C9-8B67F6FA2B5E}" type="datetimeFigureOut">
               <a:rPr lang="en-US" smtClean="0"/>
-              <a:t>2019-03-01</a:t>
+              <a:t>2019-03-09</a:t>
             </a:fld>
             <a:endParaRPr lang="en-US"/>
           </a:p>
@@ -392,7 +393,7 @@
           <a:p>
             <a:fld id="{8DB41A92-FFF7-46B1-92E3-CDB13879911B}" type="datetimeFigureOut">
               <a:rPr lang="en-US" smtClean="0"/>
-              <a:t>2019-03-01</a:t>
+              <a:t>2019-03-09</a:t>
             </a:fld>
             <a:endParaRPr lang="en-US"/>
           </a:p>
@@ -1693,7 +1694,7 @@
           <a:p>
             <a:fld id="{679D33B1-6C88-4DB6-8F59-77EBF0001DE5}" type="datetimeFigureOut">
               <a:rPr lang="en-US" smtClean="0"/>
-              <a:t>2019-03-01</a:t>
+              <a:t>2019-03-09</a:t>
             </a:fld>
             <a:endParaRPr lang="en-US"/>
           </a:p>
@@ -2603,7 +2604,7 @@
           <a:p>
             <a:fld id="{679D33B1-6C88-4DB6-8F59-77EBF0001DE5}" type="datetimeFigureOut">
               <a:rPr lang="en-US" smtClean="0"/>
-              <a:t>2019-03-01</a:t>
+              <a:t>2019-03-09</a:t>
             </a:fld>
             <a:endParaRPr lang="en-US"/>
           </a:p>
@@ -2909,7 +2910,7 @@
           <a:p>
             <a:fld id="{679D33B1-6C88-4DB6-8F59-77EBF0001DE5}" type="datetimeFigureOut">
               <a:rPr lang="en-US" smtClean="0"/>
-              <a:t>2019-03-01</a:t>
+              <a:t>2019-03-09</a:t>
             </a:fld>
             <a:endParaRPr lang="en-US"/>
           </a:p>
@@ -3295,7 +3296,7 @@
           <a:p>
             <a:fld id="{679D33B1-6C88-4DB6-8F59-77EBF0001DE5}" type="datetimeFigureOut">
               <a:rPr lang="en-US" smtClean="0"/>
-              <a:t>2019-03-01</a:t>
+              <a:t>2019-03-09</a:t>
             </a:fld>
             <a:endParaRPr lang="en-US"/>
           </a:p>
@@ -3668,7 +3669,7 @@
           <a:p>
             <a:fld id="{679D33B1-6C88-4DB6-8F59-77EBF0001DE5}" type="datetimeFigureOut">
               <a:rPr lang="en-US" smtClean="0"/>
-              <a:t>2019-03-01</a:t>
+              <a:t>2019-03-09</a:t>
             </a:fld>
             <a:endParaRPr lang="en-US"/>
           </a:p>
@@ -4171,7 +4172,7 @@
           <a:p>
             <a:fld id="{679D33B1-6C88-4DB6-8F59-77EBF0001DE5}" type="datetimeFigureOut">
               <a:rPr lang="en-US" smtClean="0"/>
-              <a:t>2019-03-01</a:t>
+              <a:t>2019-03-09</a:t>
             </a:fld>
             <a:endParaRPr lang="en-US"/>
           </a:p>
@@ -4425,7 +4426,7 @@
           <a:p>
             <a:fld id="{679D33B1-6C88-4DB6-8F59-77EBF0001DE5}" type="datetimeFigureOut">
               <a:rPr lang="en-US" smtClean="0"/>
-              <a:t>2019-03-01</a:t>
+              <a:t>2019-03-09</a:t>
             </a:fld>
             <a:endParaRPr lang="en-US"/>
           </a:p>
@@ -4588,7 +4589,7 @@
           <a:p>
             <a:fld id="{679D33B1-6C88-4DB6-8F59-77EBF0001DE5}" type="datetimeFigureOut">
               <a:rPr lang="en-US" smtClean="0"/>
-              <a:t>2019-03-01</a:t>
+              <a:t>2019-03-09</a:t>
             </a:fld>
             <a:endParaRPr lang="en-US"/>
           </a:p>
@@ -4975,7 +4976,7 @@
           <a:p>
             <a:fld id="{679D33B1-6C88-4DB6-8F59-77EBF0001DE5}" type="datetimeFigureOut">
               <a:rPr lang="en-US" smtClean="0"/>
-              <a:t>2019-03-01</a:t>
+              <a:t>2019-03-09</a:t>
             </a:fld>
             <a:endParaRPr lang="en-US"/>
           </a:p>
@@ -5381,7 +5382,7 @@
           <a:p>
             <a:fld id="{679D33B1-6C88-4DB6-8F59-77EBF0001DE5}" type="datetimeFigureOut">
               <a:rPr lang="en-US" smtClean="0"/>
-              <a:t>2019-03-01</a:t>
+              <a:t>2019-03-09</a:t>
             </a:fld>
             <a:endParaRPr lang="en-US"/>
           </a:p>
@@ -5594,7 +5595,7 @@
           <a:p>
             <a:fld id="{679D33B1-6C88-4DB6-8F59-77EBF0001DE5}" type="datetimeFigureOut">
               <a:rPr lang="en-US" smtClean="0"/>
-              <a:t>2019-03-01</a:t>
+              <a:t>2019-03-09</a:t>
             </a:fld>
             <a:endParaRPr lang="en-US"/>
           </a:p>
@@ -6467,7 +6468,7 @@
         <p:spPr>
           <a:xfrm>
             <a:off x="576263" y="2233613"/>
-            <a:ext cx="9836982" cy="3354765"/>
+            <a:ext cx="9836982" cy="4093428"/>
           </a:xfrm>
           <a:prstGeom prst="rect">
             <a:avLst/>
@@ -6494,34 +6495,60 @@
           </a:p>
           <a:p>
             <a:r>
-              <a:rPr lang="ru-RU" sz="2000" dirty="0"/>
+              <a:rPr lang="ru-RU" sz="1600" dirty="0"/>
               <a:t>Принцип подстановки Барбары Лисков (англ. </a:t>
             </a:r>
             <a:r>
-              <a:rPr lang="ru-RU" sz="2000" dirty="0" err="1"/>
+              <a:rPr lang="ru-RU" sz="1600" dirty="0" err="1"/>
               <a:t>Liskov</a:t>
             </a:r>
             <a:r>
-              <a:rPr lang="ru-RU" sz="2000" dirty="0"/>
+              <a:rPr lang="ru-RU" sz="1600" dirty="0"/>
               <a:t> </a:t>
             </a:r>
             <a:r>
-              <a:rPr lang="ru-RU" sz="2000" dirty="0" err="1"/>
+              <a:rPr lang="ru-RU" sz="1600" dirty="0" err="1"/>
               <a:t>Substitution</a:t>
             </a:r>
             <a:r>
-              <a:rPr lang="ru-RU" sz="2000" dirty="0"/>
+              <a:rPr lang="ru-RU" sz="1600" dirty="0"/>
               <a:t> </a:t>
             </a:r>
             <a:r>
-              <a:rPr lang="ru-RU" sz="2000" dirty="0" err="1"/>
+              <a:rPr lang="ru-RU" sz="1600" dirty="0" err="1"/>
               <a:t>Principle</a:t>
             </a:r>
             <a:r>
-              <a:rPr lang="ru-RU" sz="2000" dirty="0"/>
+              <a:rPr lang="ru-RU" sz="1600" dirty="0"/>
               <a:t>, LSP) в объектно-ориентированном программировании является специфичным определением подтипа, предложенным Барбарой Лисков в 1987 году на конференции в основном докладе под названием Абстракция данных и иерархия.</a:t>
             </a:r>
+            <a:endParaRPr lang="en-US" sz="1600" dirty="0"/>
+          </a:p>
+          <a:p>
             <a:endParaRPr lang="en-US" sz="2000" dirty="0"/>
+          </a:p>
+          <a:p>
+            <a:r>
+              <a:rPr lang="ru-RU" sz="2800" dirty="0">
+                <a:solidFill>
+                  <a:srgbClr val="FFFF00"/>
+                </a:solidFill>
+              </a:rPr>
+              <a:t>Другими словами: Наследующий класс должен дополнять, а не замещать поведение базового класса</a:t>
+            </a:r>
+            <a:r>
+              <a:rPr lang="en-US" sz="2800" dirty="0">
+                <a:solidFill>
+                  <a:srgbClr val="FFFF00"/>
+                </a:solidFill>
+              </a:rPr>
+              <a:t>.</a:t>
+            </a:r>
+            <a:endParaRPr lang="ru-RU" sz="2800" dirty="0">
+              <a:solidFill>
+                <a:srgbClr val="FFFF00"/>
+              </a:solidFill>
+            </a:endParaRPr>
           </a:p>
         </p:txBody>
       </p:sp>
@@ -6529,6 +6556,115 @@
     <p:extLst>
       <p:ext uri="{BB962C8B-B14F-4D97-AF65-F5344CB8AC3E}">
         <p14:creationId xmlns:p14="http://schemas.microsoft.com/office/powerpoint/2010/main" val="3989441364"/>
+      </p:ext>
+    </p:extLst>
+  </p:cSld>
+  <p:clrMapOvr>
+    <a:masterClrMapping/>
+  </p:clrMapOvr>
+  <p:transition spd="slow">
+    <p:cover/>
+  </p:transition>
+</p:sld>
+</file>
+
+<file path=ppt/slides/slide3.xml><?xml version="1.0" encoding="utf-8"?>
+<p:sld xmlns:a="http://schemas.openxmlformats.org/drawingml/2006/main" xmlns:r="http://schemas.openxmlformats.org/officeDocument/2006/relationships" xmlns:p="http://schemas.openxmlformats.org/presentationml/2006/main">
+  <p:cSld>
+    <p:spTree>
+      <p:nvGrpSpPr>
+        <p:cNvPr id="1" name=""/>
+        <p:cNvGrpSpPr/>
+        <p:nvPr/>
+      </p:nvGrpSpPr>
+      <p:grpSpPr>
+        <a:xfrm>
+          <a:off x="0" y="0"/>
+          <a:ext cx="0" cy="0"/>
+          <a:chOff x="0" y="0"/>
+          <a:chExt cx="0" cy="0"/>
+        </a:xfrm>
+      </p:grpSpPr>
+      <p:sp>
+        <p:nvSpPr>
+          <p:cNvPr id="4" name="Заголовок 3">
+            <a:extLst>
+              <a:ext uri="{FF2B5EF4-FFF2-40B4-BE49-F238E27FC236}">
+                <a16:creationId xmlns:a16="http://schemas.microsoft.com/office/drawing/2014/main" id="{56B210DD-3C70-4225-BAC0-26F0709D6072}"/>
+              </a:ext>
+            </a:extLst>
+          </p:cNvPr>
+          <p:cNvSpPr>
+            <a:spLocks noGrp="1"/>
+          </p:cNvSpPr>
+          <p:nvPr>
+            <p:ph type="title"/>
+          </p:nvPr>
+        </p:nvSpPr>
+        <p:spPr/>
+        <p:txBody>
+          <a:bodyPr>
+            <a:normAutofit/>
+          </a:bodyPr>
+          <a:lstStyle/>
+          <a:p>
+            <a:r>
+              <a:rPr lang="ru-RU" b="1" dirty="0"/>
+              <a:t>Принцип подстановки Барбары Лисков</a:t>
+            </a:r>
+            <a:br>
+              <a:rPr lang="en-US" b="1" dirty="0"/>
+            </a:br>
+            <a:r>
+              <a:rPr lang="en-US" sz="3200" i="1" dirty="0"/>
+              <a:t>The </a:t>
+            </a:r>
+            <a:r>
+              <a:rPr lang="en-US" sz="3200" i="1" dirty="0" err="1"/>
+              <a:t>Liskov</a:t>
+            </a:r>
+            <a:r>
+              <a:rPr lang="en-US" sz="3200" i="1" dirty="0"/>
+              <a:t> Substitution Principle</a:t>
+            </a:r>
+            <a:endParaRPr lang="en-US" dirty="0"/>
+          </a:p>
+        </p:txBody>
+      </p:sp>
+      <p:pic>
+        <p:nvPicPr>
+          <p:cNvPr id="2" name="Рисунок 1">
+            <a:extLst>
+              <a:ext uri="{FF2B5EF4-FFF2-40B4-BE49-F238E27FC236}">
+                <a16:creationId xmlns:a16="http://schemas.microsoft.com/office/drawing/2014/main" id="{2FABA00E-9DF3-4A4A-B523-9489D79AB4F3}"/>
+              </a:ext>
+            </a:extLst>
+          </p:cNvPr>
+          <p:cNvPicPr>
+            <a:picLocks noChangeAspect="1"/>
+          </p:cNvPicPr>
+          <p:nvPr/>
+        </p:nvPicPr>
+        <p:blipFill>
+          <a:blip r:embed="rId2"/>
+          <a:stretch>
+            <a:fillRect/>
+          </a:stretch>
+        </p:blipFill>
+        <p:spPr>
+          <a:xfrm>
+            <a:off x="1574594" y="2119140"/>
+            <a:ext cx="7970301" cy="4299172"/>
+          </a:xfrm>
+          <a:prstGeom prst="rect">
+            <a:avLst/>
+          </a:prstGeom>
+        </p:spPr>
+      </p:pic>
+    </p:spTree>
+    <p:extLst>
+      <p:ext uri="{BB962C8B-B14F-4D97-AF65-F5344CB8AC3E}">
+        <p14:creationId xmlns:p14="http://schemas.microsoft.com/office/powerpoint/2010/main" val="2366078084"/>
       </p:ext>
     </p:extLst>
   </p:cSld>

--- a/Powerpoint/3.SOLID_L.pptx
+++ b/Powerpoint/3.SOLID_L.pptx
@@ -228,7 +228,7 @@
           <a:p>
             <a:fld id="{CDDF240B-3CA8-4045-B7C9-8B67F6FA2B5E}" type="datetimeFigureOut">
               <a:rPr lang="en-US" smtClean="0"/>
-              <a:t>2019-03-09</a:t>
+              <a:t>2019-03-10</a:t>
             </a:fld>
             <a:endParaRPr lang="en-US"/>
           </a:p>
@@ -393,7 +393,7 @@
           <a:p>
             <a:fld id="{8DB41A92-FFF7-46B1-92E3-CDB13879911B}" type="datetimeFigureOut">
               <a:rPr lang="en-US" smtClean="0"/>
-              <a:t>2019-03-09</a:t>
+              <a:t>2019-03-10</a:t>
             </a:fld>
             <a:endParaRPr lang="en-US"/>
           </a:p>
@@ -1694,7 +1694,7 @@
           <a:p>
             <a:fld id="{679D33B1-6C88-4DB6-8F59-77EBF0001DE5}" type="datetimeFigureOut">
               <a:rPr lang="en-US" smtClean="0"/>
-              <a:t>2019-03-09</a:t>
+              <a:t>2019-03-10</a:t>
             </a:fld>
             <a:endParaRPr lang="en-US"/>
           </a:p>
@@ -2604,7 +2604,7 @@
           <a:p>
             <a:fld id="{679D33B1-6C88-4DB6-8F59-77EBF0001DE5}" type="datetimeFigureOut">
               <a:rPr lang="en-US" smtClean="0"/>
-              <a:t>2019-03-09</a:t>
+              <a:t>2019-03-10</a:t>
             </a:fld>
             <a:endParaRPr lang="en-US"/>
           </a:p>
@@ -2910,7 +2910,7 @@
           <a:p>
             <a:fld id="{679D33B1-6C88-4DB6-8F59-77EBF0001DE5}" type="datetimeFigureOut">
               <a:rPr lang="en-US" smtClean="0"/>
-              <a:t>2019-03-09</a:t>
+              <a:t>2019-03-10</a:t>
             </a:fld>
             <a:endParaRPr lang="en-US"/>
           </a:p>
@@ -3296,7 +3296,7 @@
           <a:p>
             <a:fld id="{679D33B1-6C88-4DB6-8F59-77EBF0001DE5}" type="datetimeFigureOut">
               <a:rPr lang="en-US" smtClean="0"/>
-              <a:t>2019-03-09</a:t>
+              <a:t>2019-03-10</a:t>
             </a:fld>
             <a:endParaRPr lang="en-US"/>
           </a:p>
@@ -3669,7 +3669,7 @@
           <a:p>
             <a:fld id="{679D33B1-6C88-4DB6-8F59-77EBF0001DE5}" type="datetimeFigureOut">
               <a:rPr lang="en-US" smtClean="0"/>
-              <a:t>2019-03-09</a:t>
+              <a:t>2019-03-10</a:t>
             </a:fld>
             <a:endParaRPr lang="en-US"/>
           </a:p>
@@ -4172,7 +4172,7 @@
           <a:p>
             <a:fld id="{679D33B1-6C88-4DB6-8F59-77EBF0001DE5}" type="datetimeFigureOut">
               <a:rPr lang="en-US" smtClean="0"/>
-              <a:t>2019-03-09</a:t>
+              <a:t>2019-03-10</a:t>
             </a:fld>
             <a:endParaRPr lang="en-US"/>
           </a:p>
@@ -4426,7 +4426,7 @@
           <a:p>
             <a:fld id="{679D33B1-6C88-4DB6-8F59-77EBF0001DE5}" type="datetimeFigureOut">
               <a:rPr lang="en-US" smtClean="0"/>
-              <a:t>2019-03-09</a:t>
+              <a:t>2019-03-10</a:t>
             </a:fld>
             <a:endParaRPr lang="en-US"/>
           </a:p>
@@ -4589,7 +4589,7 @@
           <a:p>
             <a:fld id="{679D33B1-6C88-4DB6-8F59-77EBF0001DE5}" type="datetimeFigureOut">
               <a:rPr lang="en-US" smtClean="0"/>
-              <a:t>2019-03-09</a:t>
+              <a:t>2019-03-10</a:t>
             </a:fld>
             <a:endParaRPr lang="en-US"/>
           </a:p>
@@ -4976,7 +4976,7 @@
           <a:p>
             <a:fld id="{679D33B1-6C88-4DB6-8F59-77EBF0001DE5}" type="datetimeFigureOut">
               <a:rPr lang="en-US" smtClean="0"/>
-              <a:t>2019-03-09</a:t>
+              <a:t>2019-03-10</a:t>
             </a:fld>
             <a:endParaRPr lang="en-US"/>
           </a:p>
@@ -5382,7 +5382,7 @@
           <a:p>
             <a:fld id="{679D33B1-6C88-4DB6-8F59-77EBF0001DE5}" type="datetimeFigureOut">
               <a:rPr lang="en-US" smtClean="0"/>
-              <a:t>2019-03-09</a:t>
+              <a:t>2019-03-10</a:t>
             </a:fld>
             <a:endParaRPr lang="en-US"/>
           </a:p>
@@ -5595,7 +5595,7 @@
           <a:p>
             <a:fld id="{679D33B1-6C88-4DB6-8F59-77EBF0001DE5}" type="datetimeFigureOut">
               <a:rPr lang="en-US" smtClean="0"/>
-              <a:t>2019-03-09</a:t>
+              <a:t>2019-03-10</a:t>
             </a:fld>
             <a:endParaRPr lang="en-US"/>
           </a:p>
